--- a/~~ NEW DESIGN TEMPLATE.pptx
+++ b/~~ NEW DESIGN TEMPLATE.pptx
@@ -241,7 +241,7 @@
           <a:p>
             <a:fld id="{32F7251A-AE54-443C-B8FE-5F636E835EBF}" type="datetimeFigureOut">
               <a:rPr lang="en-US" smtClean="0"/>
-              <a:t>2/2/2020</a:t>
+              <a:t>8/9/2020</a:t>
             </a:fld>
             <a:endParaRPr lang="en-US"/>
           </a:p>
@@ -409,7 +409,7 @@
           <a:p>
             <a:fld id="{32F7251A-AE54-443C-B8FE-5F636E835EBF}" type="datetimeFigureOut">
               <a:rPr lang="en-US" smtClean="0"/>
-              <a:t>2/2/2020</a:t>
+              <a:t>8/9/2020</a:t>
             </a:fld>
             <a:endParaRPr lang="en-US"/>
           </a:p>
@@ -587,7 +587,7 @@
           <a:p>
             <a:fld id="{32F7251A-AE54-443C-B8FE-5F636E835EBF}" type="datetimeFigureOut">
               <a:rPr lang="en-US" smtClean="0"/>
-              <a:t>2/2/2020</a:t>
+              <a:t>8/9/2020</a:t>
             </a:fld>
             <a:endParaRPr lang="en-US"/>
           </a:p>
@@ -755,7 +755,7 @@
           <a:p>
             <a:fld id="{32F7251A-AE54-443C-B8FE-5F636E835EBF}" type="datetimeFigureOut">
               <a:rPr lang="en-US" smtClean="0"/>
-              <a:t>2/2/2020</a:t>
+              <a:t>8/9/2020</a:t>
             </a:fld>
             <a:endParaRPr lang="en-US"/>
           </a:p>
@@ -1000,7 +1000,7 @@
           <a:p>
             <a:fld id="{32F7251A-AE54-443C-B8FE-5F636E835EBF}" type="datetimeFigureOut">
               <a:rPr lang="en-US" smtClean="0"/>
-              <a:t>2/2/2020</a:t>
+              <a:t>8/9/2020</a:t>
             </a:fld>
             <a:endParaRPr lang="en-US"/>
           </a:p>
@@ -1229,7 +1229,7 @@
           <a:p>
             <a:fld id="{32F7251A-AE54-443C-B8FE-5F636E835EBF}" type="datetimeFigureOut">
               <a:rPr lang="en-US" smtClean="0"/>
-              <a:t>2/2/2020</a:t>
+              <a:t>8/9/2020</a:t>
             </a:fld>
             <a:endParaRPr lang="en-US"/>
           </a:p>
@@ -1593,7 +1593,7 @@
           <a:p>
             <a:fld id="{32F7251A-AE54-443C-B8FE-5F636E835EBF}" type="datetimeFigureOut">
               <a:rPr lang="en-US" smtClean="0"/>
-              <a:t>2/2/2020</a:t>
+              <a:t>8/9/2020</a:t>
             </a:fld>
             <a:endParaRPr lang="en-US"/>
           </a:p>
@@ -1710,7 +1710,7 @@
           <a:p>
             <a:fld id="{32F7251A-AE54-443C-B8FE-5F636E835EBF}" type="datetimeFigureOut">
               <a:rPr lang="en-US" smtClean="0"/>
-              <a:t>2/2/2020</a:t>
+              <a:t>8/9/2020</a:t>
             </a:fld>
             <a:endParaRPr lang="en-US"/>
           </a:p>
@@ -1805,7 +1805,7 @@
           <a:p>
             <a:fld id="{32F7251A-AE54-443C-B8FE-5F636E835EBF}" type="datetimeFigureOut">
               <a:rPr lang="en-US" smtClean="0"/>
-              <a:t>2/2/2020</a:t>
+              <a:t>8/9/2020</a:t>
             </a:fld>
             <a:endParaRPr lang="en-US"/>
           </a:p>
@@ -2080,7 +2080,7 @@
           <a:p>
             <a:fld id="{32F7251A-AE54-443C-B8FE-5F636E835EBF}" type="datetimeFigureOut">
               <a:rPr lang="en-US" smtClean="0"/>
-              <a:t>2/2/2020</a:t>
+              <a:t>8/9/2020</a:t>
             </a:fld>
             <a:endParaRPr lang="en-US"/>
           </a:p>
@@ -2332,7 +2332,7 @@
           <a:p>
             <a:fld id="{32F7251A-AE54-443C-B8FE-5F636E835EBF}" type="datetimeFigureOut">
               <a:rPr lang="en-US" smtClean="0"/>
-              <a:t>2/2/2020</a:t>
+              <a:t>8/9/2020</a:t>
             </a:fld>
             <a:endParaRPr lang="en-US"/>
           </a:p>
@@ -2548,7 +2548,7 @@
           <a:p>
             <a:fld id="{32F7251A-AE54-443C-B8FE-5F636E835EBF}" type="datetimeFigureOut">
               <a:rPr lang="en-US" smtClean="0"/>
-              <a:t>2/2/2020</a:t>
+              <a:t>8/9/2020</a:t>
             </a:fld>
             <a:endParaRPr lang="en-US"/>
           </a:p>
@@ -3041,7 +3041,7 @@
                 <a:latin typeface="Assistant SemiBold" panose="00000700000000000000" pitchFamily="2" charset="-79"/>
                 <a:cs typeface="Assistant SemiBold" panose="00000700000000000000" pitchFamily="2" charset="-79"/>
               </a:rPr>
-              <a:t>“HYMN NAME”</a:t>
+              <a:t>“More Love to Thee”</a:t>
             </a:r>
           </a:p>
         </p:txBody>
@@ -3054,7 +3054,7 @@
         </p:nvSpPr>
         <p:spPr>
           <a:xfrm>
-            <a:off x="0" y="729571"/>
+            <a:off x="0" y="601603"/>
             <a:ext cx="12192000" cy="3970318"/>
           </a:xfrm>
           <a:prstGeom prst="rect">
@@ -3077,7 +3077,7 @@
                 <a:latin typeface="Assistant" panose="00000500000000000000" pitchFamily="2" charset="-79"/>
                 <a:cs typeface="Assistant" panose="00000500000000000000" pitchFamily="2" charset="-79"/>
               </a:rPr>
-              <a:t>More love to Thee, O Christ, </a:t>
+              <a:t>More love to Thee, O Christ</a:t>
             </a:r>
           </a:p>
           <a:p>
@@ -3103,7 +3103,7 @@
                 <a:latin typeface="Assistant" panose="00000500000000000000" pitchFamily="2" charset="-79"/>
                 <a:cs typeface="Assistant" panose="00000500000000000000" pitchFamily="2" charset="-79"/>
               </a:rPr>
-              <a:t>Hear thou the prayer I make </a:t>
+              <a:t>Hear Thou the prayer I make</a:t>
             </a:r>
           </a:p>
           <a:p>
@@ -3139,7 +3139,7 @@
                 <a:latin typeface="Assistant" panose="00000500000000000000" pitchFamily="2" charset="-79"/>
                 <a:cs typeface="Assistant" panose="00000500000000000000" pitchFamily="2" charset="-79"/>
               </a:rPr>
-              <a:t>This is my earnest plea, </a:t>
+              <a:t>This is my earnest plea,</a:t>
             </a:r>
           </a:p>
           <a:p>
@@ -3152,20 +3152,7 @@
                 <a:latin typeface="Assistant" panose="00000500000000000000" pitchFamily="2" charset="-79"/>
                 <a:cs typeface="Assistant" panose="00000500000000000000" pitchFamily="2" charset="-79"/>
               </a:rPr>
-              <a:t>More love, O Christ, to Thee </a:t>
-            </a:r>
-          </a:p>
-          <a:p>
-            <a:pPr algn="ctr"/>
-            <a:r>
-              <a:rPr lang="en-US" sz="2800" spc="50" dirty="0">
-                <a:solidFill>
-                  <a:schemeClr val="bg1"/>
-                </a:solidFill>
-                <a:latin typeface="Assistant" panose="00000500000000000000" pitchFamily="2" charset="-79"/>
-                <a:cs typeface="Assistant" panose="00000500000000000000" pitchFamily="2" charset="-79"/>
-              </a:rPr>
-              <a:t>More love to Thee, </a:t>
+              <a:t>More love, O Christ, to Thee,</a:t>
             </a:r>
           </a:p>
           <a:p>
@@ -3179,6 +3166,39 @@
                 <a:cs typeface="Assistant" panose="00000500000000000000" pitchFamily="2" charset="-79"/>
               </a:rPr>
               <a:t>More love to Thee.</a:t>
+            </a:r>
+          </a:p>
+          <a:p>
+            <a:pPr algn="ctr"/>
+            <a:r>
+              <a:rPr lang="en-US" sz="2800" spc="50" dirty="0">
+                <a:solidFill>
+                  <a:schemeClr val="bg1"/>
+                </a:solidFill>
+                <a:latin typeface="Assistant" panose="00000500000000000000" pitchFamily="2" charset="-79"/>
+                <a:cs typeface="Assistant" panose="00000500000000000000" pitchFamily="2" charset="-79"/>
+              </a:rPr>
+              <a:t> </a:t>
+            </a:r>
+            <a:r>
+              <a:rPr lang="en-US" sz="2800" spc="50">
+                <a:solidFill>
+                  <a:schemeClr val="bg1"/>
+                </a:solidFill>
+                <a:latin typeface="Assistant" panose="00000500000000000000" pitchFamily="2" charset="-79"/>
+                <a:cs typeface="Assistant" panose="00000500000000000000" pitchFamily="2" charset="-79"/>
+              </a:rPr>
+              <a:t>More love </a:t>
+            </a:r>
+            <a:r>
+              <a:rPr lang="en-US" sz="2800" spc="50" dirty="0">
+                <a:solidFill>
+                  <a:schemeClr val="bg1"/>
+                </a:solidFill>
+                <a:latin typeface="Assistant" panose="00000500000000000000" pitchFamily="2" charset="-79"/>
+                <a:cs typeface="Assistant" panose="00000500000000000000" pitchFamily="2" charset="-79"/>
+              </a:rPr>
+              <a:t>to Thee.</a:t>
             </a:r>
           </a:p>
         </p:txBody>
